--- a/slides/ppt/01_FromCtoJava.pptx
+++ b/slides/ppt/01_FromCtoJava.pptx
@@ -243,7 +243,7 @@
             <a:fld id="{BAEB7694-8561-4BE2-948D-EDF7A201F8BB}" type="datetimeFigureOut">
               <a:rPr lang="it-IT" smtClean="0"/>
               <a:pPr/>
-              <a:t>26/02/19</a:t>
+              <a:t>27/02/19</a:t>
             </a:fld>
             <a:endParaRPr lang="it-IT"/>
           </a:p>
@@ -5584,21 +5584,7 @@
                 <a:latin typeface="Consolas"/>
                 <a:cs typeface="Consolas"/>
               </a:rPr>
-              <a:t>	public </a:t>
-            </a:r>
-            <a:r>
-              <a:rPr lang="en-US" sz="2000" dirty="0" err="1">
-                <a:latin typeface="Consolas"/>
-                <a:cs typeface="Consolas"/>
-              </a:rPr>
-              <a:t>MyVector</a:t>
-            </a:r>
-            <a:r>
-              <a:rPr lang="en-US" sz="2000" dirty="0">
-                <a:latin typeface="Consolas"/>
-                <a:cs typeface="Consolas"/>
-              </a:rPr>
-              <a:t>() {</a:t>
+              <a:t>	public Vector() {</a:t>
             </a:r>
           </a:p>
           <a:p>
@@ -5886,58 +5872,30 @@
               <a:buNone/>
             </a:pPr>
             <a:r>
-              <a:rPr lang="en-US" sz="2400" dirty="0" err="1">
-                <a:latin typeface="Consolas"/>
-                <a:cs typeface="Consolas"/>
-              </a:rPr>
-              <a:t>MyVector</a:t>
-            </a:r>
-            <a:r>
               <a:rPr lang="en-US" sz="2400" dirty="0">
                 <a:latin typeface="Consolas"/>
                 <a:cs typeface="Consolas"/>
               </a:rPr>
-              <a:t> v1 = new </a:t>
-            </a:r>
-            <a:r>
-              <a:rPr lang="en-US" sz="2400" dirty="0" err="1">
-                <a:latin typeface="Consolas"/>
-                <a:cs typeface="Consolas"/>
-              </a:rPr>
-              <a:t>MyVector</a:t>
-            </a:r>
+              <a:t>Vector v1 = new Vector(); </a:t>
+            </a:r>
+          </a:p>
+          <a:p>
+            <a:pPr marL="0" indent="0">
+              <a:buNone/>
+            </a:pPr>
             <a:r>
               <a:rPr lang="en-US" sz="2400" dirty="0">
                 <a:latin typeface="Consolas"/>
                 <a:cs typeface="Consolas"/>
               </a:rPr>
-              <a:t>(); </a:t>
-            </a:r>
-          </a:p>
-          <a:p>
-            <a:pPr marL="0" indent="0">
-              <a:buNone/>
-            </a:pPr>
-            <a:r>
-              <a:rPr lang="en-US" sz="2400" dirty="0" err="1">
-                <a:latin typeface="Consolas"/>
-                <a:cs typeface="Consolas"/>
-              </a:rPr>
-              <a:t>MyVector</a:t>
-            </a:r>
-            <a:r>
-              <a:rPr lang="en-US" sz="2400" dirty="0">
-                <a:latin typeface="Consolas"/>
-                <a:cs typeface="Consolas"/>
-              </a:rPr>
-              <a:t> v2 = new </a:t>
-            </a:r>
-            <a:r>
-              <a:rPr lang="en-US" sz="2400" dirty="0" err="1">
-                <a:latin typeface="Consolas"/>
-                <a:cs typeface="Consolas"/>
-              </a:rPr>
-              <a:t>MyVector</a:t>
+              <a:t>Vector v2 = </a:t>
+            </a:r>
+            <a:r>
+              <a:rPr lang="en-US" sz="2400">
+                <a:latin typeface="Consolas"/>
+                <a:cs typeface="Consolas"/>
+              </a:rPr>
+              <a:t>new Vector</a:t>
             </a:r>
             <a:r>
               <a:rPr lang="en-US" sz="2400" dirty="0">
